--- a/Day_1/Lab/Day_1_Lab_DCToolkit.pptx
+++ b/Day_1/Lab/Day_1_Lab_DCToolkit.pptx
@@ -5,7 +5,7 @@
     <p:sldMasterId id="2147483648" r:id="rId1"/>
   </p:sldMasterIdLst>
   <p:notesMasterIdLst>
-    <p:notesMasterId r:id="rId26"/>
+    <p:notesMasterId r:id="rId27"/>
   </p:notesMasterIdLst>
   <p:sldIdLst>
     <p:sldId id="269" r:id="rId2"/>
@@ -25,13 +25,14 @@
     <p:sldId id="268" r:id="rId16"/>
     <p:sldId id="271" r:id="rId17"/>
     <p:sldId id="273" r:id="rId18"/>
-    <p:sldId id="274" r:id="rId19"/>
-    <p:sldId id="275" r:id="rId20"/>
-    <p:sldId id="276" r:id="rId21"/>
-    <p:sldId id="277" r:id="rId22"/>
-    <p:sldId id="278" r:id="rId23"/>
-    <p:sldId id="279" r:id="rId24"/>
-    <p:sldId id="280" r:id="rId25"/>
+    <p:sldId id="281" r:id="rId19"/>
+    <p:sldId id="274" r:id="rId20"/>
+    <p:sldId id="275" r:id="rId21"/>
+    <p:sldId id="276" r:id="rId22"/>
+    <p:sldId id="277" r:id="rId23"/>
+    <p:sldId id="278" r:id="rId24"/>
+    <p:sldId id="279" r:id="rId25"/>
+    <p:sldId id="280" r:id="rId26"/>
   </p:sldIdLst>
   <p:sldSz cx="9144000" cy="6858000" type="screen4x3"/>
   <p:notesSz cx="6858000" cy="9144000"/>
@@ -215,7 +216,7 @@
           <a:p>
             <a:fld id="{6F9630DF-B6D4-9946-8058-C28FEFA82E3B}" type="datetimeFigureOut">
               <a:rPr lang="en-US" smtClean="0"/>
-              <a:t>2/1/15</a:t>
+              <a:t>2/9/15</a:t>
             </a:fld>
             <a:endParaRPr lang="en-US"/>
           </a:p>
@@ -863,15 +864,7 @@
           <a:p>
             <a:r>
               <a:rPr lang="en-US" baseline="0" dirty="0" smtClean="0"/>
-              <a:t>The intellectual property issues are </a:t>
-            </a:r>
-            <a:r>
-              <a:rPr lang="en-US" baseline="0" dirty="0" smtClean="0"/>
-              <a:t>interesting</a:t>
-            </a:r>
-            <a:r>
-              <a:rPr lang="en-US" baseline="0" dirty="0" smtClean="0"/>
-              <a:t>, because they’re so rarely used. </a:t>
+              <a:t>The intellectual property issues are interesting, because they’re so rarely used. </a:t>
             </a:r>
           </a:p>
           <a:p>
@@ -907,6 +900,90 @@
         </p:txBody>
       </p:sp>
     </p:spTree>
+  </p:cSld>
+  <p:clrMapOvr>
+    <a:masterClrMapping/>
+  </p:clrMapOvr>
+</p:notes>
+</file>
+
+<file path=ppt/notesSlides/notesSlide4.xml><?xml version="1.0" encoding="utf-8"?>
+<p:notes xmlns:a="http://schemas.openxmlformats.org/drawingml/2006/main" xmlns:r="http://schemas.openxmlformats.org/officeDocument/2006/relationships" xmlns:p="http://schemas.openxmlformats.org/presentationml/2006/main">
+  <p:cSld>
+    <p:spTree>
+      <p:nvGrpSpPr>
+        <p:cNvPr id="1" name=""/>
+        <p:cNvGrpSpPr/>
+        <p:nvPr/>
+      </p:nvGrpSpPr>
+      <p:grpSpPr>
+        <a:xfrm>
+          <a:off x="0" y="0"/>
+          <a:ext cx="0" cy="0"/>
+          <a:chOff x="0" y="0"/>
+          <a:chExt cx="0" cy="0"/>
+        </a:xfrm>
+      </p:grpSpPr>
+      <p:sp>
+        <p:nvSpPr>
+          <p:cNvPr id="2" name="Slide Image Placeholder 1"/>
+          <p:cNvSpPr>
+            <a:spLocks noGrp="1" noRot="1" noChangeAspect="1"/>
+          </p:cNvSpPr>
+          <p:nvPr>
+            <p:ph type="sldImg"/>
+          </p:nvPr>
+        </p:nvSpPr>
+        <p:spPr/>
+      </p:sp>
+      <p:sp>
+        <p:nvSpPr>
+          <p:cNvPr id="3" name="Notes Placeholder 2"/>
+          <p:cNvSpPr>
+            <a:spLocks noGrp="1"/>
+          </p:cNvSpPr>
+          <p:nvPr>
+            <p:ph type="body" idx="1"/>
+          </p:nvPr>
+        </p:nvSpPr>
+        <p:spPr/>
+        <p:txBody>
+          <a:bodyPr/>
+          <a:lstStyle/>
+          <a:p>
+            <a:endParaRPr lang="en-US" dirty="0"/>
+          </a:p>
+        </p:txBody>
+      </p:sp>
+      <p:sp>
+        <p:nvSpPr>
+          <p:cNvPr id="4" name="Slide Number Placeholder 3"/>
+          <p:cNvSpPr>
+            <a:spLocks noGrp="1"/>
+          </p:cNvSpPr>
+          <p:nvPr>
+            <p:ph type="sldNum" sz="quarter" idx="10"/>
+          </p:nvPr>
+        </p:nvSpPr>
+        <p:spPr/>
+        <p:txBody>
+          <a:bodyPr/>
+          <a:lstStyle/>
+          <a:p>
+            <a:fld id="{9CCC3976-A15B-0A43-971F-C1ADE5221AC9}" type="slidenum">
+              <a:rPr lang="en-US" smtClean="0"/>
+              <a:t>17</a:t>
+            </a:fld>
+            <a:endParaRPr lang="en-US"/>
+          </a:p>
+        </p:txBody>
+      </p:sp>
+    </p:spTree>
+    <p:extLst>
+      <p:ext uri="{BB962C8B-B14F-4D97-AF65-F5344CB8AC3E}">
+        <p14:creationId xmlns:p14="http://schemas.microsoft.com/office/powerpoint/2010/main" val="315182896"/>
+      </p:ext>
+    </p:extLst>
   </p:cSld>
   <p:clrMapOvr>
     <a:masterClrMapping/>
@@ -1095,7 +1172,7 @@
           <a:p>
             <a:fld id="{9D6228D5-5F93-BB4A-964B-203967C46295}" type="datetimeFigureOut">
               <a:rPr lang="en-US" smtClean="0"/>
-              <a:t>2/1/15</a:t>
+              <a:t>2/9/15</a:t>
             </a:fld>
             <a:endParaRPr lang="en-US"/>
           </a:p>
@@ -1265,7 +1342,7 @@
           <a:p>
             <a:fld id="{9D6228D5-5F93-BB4A-964B-203967C46295}" type="datetimeFigureOut">
               <a:rPr lang="en-US" smtClean="0"/>
-              <a:t>2/1/15</a:t>
+              <a:t>2/9/15</a:t>
             </a:fld>
             <a:endParaRPr lang="en-US"/>
           </a:p>
@@ -1445,7 +1522,7 @@
           <a:p>
             <a:fld id="{9D6228D5-5F93-BB4A-964B-203967C46295}" type="datetimeFigureOut">
               <a:rPr lang="en-US" smtClean="0"/>
-              <a:t>2/1/15</a:t>
+              <a:t>2/9/15</a:t>
             </a:fld>
             <a:endParaRPr lang="en-US"/>
           </a:p>
@@ -1615,7 +1692,7 @@
           <a:p>
             <a:fld id="{9D6228D5-5F93-BB4A-964B-203967C46295}" type="datetimeFigureOut">
               <a:rPr lang="en-US" smtClean="0"/>
-              <a:t>2/1/15</a:t>
+              <a:t>2/9/15</a:t>
             </a:fld>
             <a:endParaRPr lang="en-US"/>
           </a:p>
@@ -1861,7 +1938,7 @@
           <a:p>
             <a:fld id="{9D6228D5-5F93-BB4A-964B-203967C46295}" type="datetimeFigureOut">
               <a:rPr lang="en-US" smtClean="0"/>
-              <a:t>2/1/15</a:t>
+              <a:t>2/9/15</a:t>
             </a:fld>
             <a:endParaRPr lang="en-US"/>
           </a:p>
@@ -2149,7 +2226,7 @@
           <a:p>
             <a:fld id="{9D6228D5-5F93-BB4A-964B-203967C46295}" type="datetimeFigureOut">
               <a:rPr lang="en-US" smtClean="0"/>
-              <a:t>2/1/15</a:t>
+              <a:t>2/9/15</a:t>
             </a:fld>
             <a:endParaRPr lang="en-US"/>
           </a:p>
@@ -2571,7 +2648,7 @@
           <a:p>
             <a:fld id="{9D6228D5-5F93-BB4A-964B-203967C46295}" type="datetimeFigureOut">
               <a:rPr lang="en-US" smtClean="0"/>
-              <a:t>2/1/15</a:t>
+              <a:t>2/9/15</a:t>
             </a:fld>
             <a:endParaRPr lang="en-US"/>
           </a:p>
@@ -2689,7 +2766,7 @@
           <a:p>
             <a:fld id="{9D6228D5-5F93-BB4A-964B-203967C46295}" type="datetimeFigureOut">
               <a:rPr lang="en-US" smtClean="0"/>
-              <a:t>2/1/15</a:t>
+              <a:t>2/9/15</a:t>
             </a:fld>
             <a:endParaRPr lang="en-US"/>
           </a:p>
@@ -2784,7 +2861,7 @@
           <a:p>
             <a:fld id="{9D6228D5-5F93-BB4A-964B-203967C46295}" type="datetimeFigureOut">
               <a:rPr lang="en-US" smtClean="0"/>
-              <a:t>2/1/15</a:t>
+              <a:t>2/9/15</a:t>
             </a:fld>
             <a:endParaRPr lang="en-US"/>
           </a:p>
@@ -3061,7 +3138,7 @@
           <a:p>
             <a:fld id="{9D6228D5-5F93-BB4A-964B-203967C46295}" type="datetimeFigureOut">
               <a:rPr lang="en-US" smtClean="0"/>
-              <a:t>2/1/15</a:t>
+              <a:t>2/9/15</a:t>
             </a:fld>
             <a:endParaRPr lang="en-US"/>
           </a:p>
@@ -3318,7 +3395,7 @@
           <a:p>
             <a:fld id="{9D6228D5-5F93-BB4A-964B-203967C46295}" type="datetimeFigureOut">
               <a:rPr lang="en-US" smtClean="0"/>
-              <a:t>2/1/15</a:t>
+              <a:t>2/9/15</a:t>
             </a:fld>
             <a:endParaRPr lang="en-US"/>
           </a:p>
@@ -3531,7 +3608,7 @@
           <a:p>
             <a:fld id="{9D6228D5-5F93-BB4A-964B-203967C46295}" type="datetimeFigureOut">
               <a:rPr lang="en-US" smtClean="0"/>
-              <a:t>2/1/15</a:t>
+              <a:t>2/9/15</a:t>
             </a:fld>
             <a:endParaRPr lang="en-US"/>
           </a:p>
@@ -4362,15 +4439,7 @@
           <a:p>
             <a:r>
               <a:rPr lang="en-US" dirty="0" smtClean="0"/>
-              <a:t>Finished </a:t>
-            </a:r>
-            <a:r>
-              <a:rPr lang="en-US" dirty="0" smtClean="0"/>
-              <a:t>Profile </a:t>
-            </a:r>
-            <a:r>
-              <a:rPr lang="en-US" dirty="0" smtClean="0"/>
-              <a:t>(1 of 3) </a:t>
+              <a:t>Finished Profile (1 of 3) </a:t>
             </a:r>
             <a:endParaRPr lang="en-US" dirty="0"/>
           </a:p>
@@ -4563,15 +4632,7 @@
           <a:p>
             <a:r>
               <a:rPr lang="en-US" dirty="0" smtClean="0"/>
-              <a:t>Finished </a:t>
-            </a:r>
-            <a:r>
-              <a:rPr lang="en-US" dirty="0" smtClean="0"/>
-              <a:t>Profile </a:t>
-            </a:r>
-            <a:r>
-              <a:rPr lang="en-US" dirty="0" smtClean="0"/>
-              <a:t>(3 of 3)</a:t>
+              <a:t>Finished Profile (3 of 3)</a:t>
             </a:r>
             <a:endParaRPr lang="en-US" dirty="0"/>
           </a:p>
@@ -4722,11 +4783,7 @@
             </a:pPr>
             <a:r>
               <a:rPr lang="en-US" dirty="0" smtClean="0"/>
-              <a:t>Look at interview worksheet first, then completed profile – think in terms of research </a:t>
-            </a:r>
-            <a:r>
-              <a:rPr lang="en-US" dirty="0" smtClean="0"/>
-              <a:t>design</a:t>
+              <a:t>Look at interview worksheet first, then completed profile – think in terms of research design</a:t>
             </a:r>
             <a:r>
               <a:rPr lang="en-US" dirty="0"/>
@@ -4948,7 +5005,15 @@
           <a:p>
             <a:r>
               <a:rPr lang="en-US" dirty="0" smtClean="0"/>
-              <a:t>Activity (20 min)</a:t>
+              <a:t>Activity (</a:t>
+            </a:r>
+            <a:r>
+              <a:rPr lang="en-US" dirty="0" smtClean="0"/>
+              <a:t>20-30 </a:t>
+            </a:r>
+            <a:r>
+              <a:rPr lang="en-US" dirty="0" smtClean="0"/>
+              <a:t>min)</a:t>
             </a:r>
             <a:endParaRPr lang="en-US" dirty="0"/>
           </a:p>
@@ -4971,32 +5036,34 @@
           <a:p>
             <a:r>
               <a:rPr lang="en-US" dirty="0" smtClean="0"/>
-              <a:t>Open up </a:t>
+              <a:t>In lieu of people, we will profile public datasets</a:t>
+            </a:r>
+            <a:endParaRPr lang="en-US" dirty="0" smtClean="0"/>
+          </a:p>
+          <a:p>
+            <a:r>
+              <a:rPr lang="en-US" dirty="0" smtClean="0"/>
+              <a:t>Navigate to the “Curation Profiles Data” folder, and open “</a:t>
             </a:r>
             <a:r>
               <a:rPr lang="en-US" dirty="0" err="1" smtClean="0"/>
-              <a:t>Interview.docx</a:t>
+              <a:t>datasetWorksheet.doc</a:t>
+            </a:r>
+            <a:r>
+              <a:rPr lang="en-US" dirty="0" smtClean="0"/>
+              <a:t>”</a:t>
+            </a:r>
+          </a:p>
+          <a:p>
+            <a:r>
+              <a:rPr lang="en-US" dirty="0" smtClean="0"/>
+              <a:t>Use this to profile each dataset </a:t>
+            </a:r>
+            <a:r>
+              <a:rPr lang="en-US" dirty="0" smtClean="0"/>
+              <a:t>linked in your workbook</a:t>
             </a:r>
             <a:endParaRPr lang="en-US" dirty="0" smtClean="0"/>
-          </a:p>
-          <a:p>
-            <a:r>
-              <a:rPr lang="en-US" dirty="0" smtClean="0"/>
-              <a:t>Use this interview transcript to fill out the worksheet</a:t>
-            </a:r>
-          </a:p>
-          <a:p>
-            <a:r>
-              <a:rPr lang="en-US" dirty="0" smtClean="0"/>
-              <a:t>What further questions would you ask?</a:t>
-            </a:r>
-          </a:p>
-          <a:p>
-            <a:r>
-              <a:rPr lang="en-US" dirty="0" smtClean="0"/>
-              <a:t>What additional information would you need?</a:t>
-            </a:r>
-            <a:endParaRPr lang="en-US" dirty="0"/>
           </a:p>
         </p:txBody>
       </p:sp>
@@ -5014,6 +5081,107 @@
 </file>
 
 <file path=ppt/slides/slide18.xml><?xml version="1.0" encoding="utf-8"?>
+<p:sld xmlns:a="http://schemas.openxmlformats.org/drawingml/2006/main" xmlns:r="http://schemas.openxmlformats.org/officeDocument/2006/relationships" xmlns:p="http://schemas.openxmlformats.org/presentationml/2006/main">
+  <p:cSld>
+    <p:spTree>
+      <p:nvGrpSpPr>
+        <p:cNvPr id="1" name=""/>
+        <p:cNvGrpSpPr/>
+        <p:nvPr/>
+      </p:nvGrpSpPr>
+      <p:grpSpPr>
+        <a:xfrm>
+          <a:off x="0" y="0"/>
+          <a:ext cx="0" cy="0"/>
+          <a:chOff x="0" y="0"/>
+          <a:chExt cx="0" cy="0"/>
+        </a:xfrm>
+      </p:grpSpPr>
+      <p:sp>
+        <p:nvSpPr>
+          <p:cNvPr id="2" name="Title 1"/>
+          <p:cNvSpPr>
+            <a:spLocks noGrp="1"/>
+          </p:cNvSpPr>
+          <p:nvPr>
+            <p:ph type="title"/>
+          </p:nvPr>
+        </p:nvSpPr>
+        <p:spPr/>
+        <p:txBody>
+          <a:bodyPr/>
+          <a:lstStyle/>
+          <a:p>
+            <a:r>
+              <a:rPr lang="en-US" dirty="0" smtClean="0"/>
+              <a:t>Discussion</a:t>
+            </a:r>
+            <a:endParaRPr lang="en-US" dirty="0"/>
+          </a:p>
+        </p:txBody>
+      </p:sp>
+      <p:sp>
+        <p:nvSpPr>
+          <p:cNvPr id="3" name="Content Placeholder 2"/>
+          <p:cNvSpPr>
+            <a:spLocks noGrp="1"/>
+          </p:cNvSpPr>
+          <p:nvPr>
+            <p:ph idx="1"/>
+          </p:nvPr>
+        </p:nvSpPr>
+        <p:spPr/>
+        <p:txBody>
+          <a:bodyPr/>
+          <a:lstStyle/>
+          <a:p>
+            <a:r>
+              <a:rPr lang="en-US" dirty="0" smtClean="0"/>
+              <a:t>If you could interview these </a:t>
+            </a:r>
+            <a:r>
+              <a:rPr lang="en-US" dirty="0" err="1" smtClean="0"/>
+              <a:t>datasets’</a:t>
+            </a:r>
+            <a:r>
+              <a:rPr lang="en-US" dirty="0" smtClean="0"/>
+              <a:t> creators, what </a:t>
+            </a:r>
+            <a:r>
+              <a:rPr lang="en-US" dirty="0"/>
+              <a:t>further questions would you ask?</a:t>
+            </a:r>
+          </a:p>
+          <a:p>
+            <a:r>
+              <a:rPr lang="en-US" dirty="0"/>
+              <a:t>What additional information would you </a:t>
+            </a:r>
+            <a:r>
+              <a:rPr lang="en-US" dirty="0" smtClean="0"/>
+              <a:t>need to create a full profile?</a:t>
+            </a:r>
+            <a:endParaRPr lang="en-US" dirty="0"/>
+          </a:p>
+          <a:p>
+            <a:endParaRPr lang="en-US" dirty="0"/>
+          </a:p>
+        </p:txBody>
+      </p:sp>
+    </p:spTree>
+    <p:extLst>
+      <p:ext uri="{BB962C8B-B14F-4D97-AF65-F5344CB8AC3E}">
+        <p14:creationId xmlns:p14="http://schemas.microsoft.com/office/powerpoint/2010/main" val="3351398477"/>
+      </p:ext>
+    </p:extLst>
+  </p:cSld>
+  <p:clrMapOvr>
+    <a:masterClrMapping/>
+  </p:clrMapOvr>
+</p:sld>
+</file>
+
+<file path=ppt/slides/slide19.xml><?xml version="1.0" encoding="utf-8"?>
 <p:sld xmlns:a="http://schemas.openxmlformats.org/drawingml/2006/main" xmlns:r="http://schemas.openxmlformats.org/officeDocument/2006/relationships" xmlns:p="http://schemas.openxmlformats.org/presentationml/2006/main">
   <p:cSld>
     <p:spTree>
@@ -5133,7 +5301,99 @@
 </p:sld>
 </file>
 
-<file path=ppt/slides/slide19.xml><?xml version="1.0" encoding="utf-8"?>
+<file path=ppt/slides/slide2.xml><?xml version="1.0" encoding="utf-8"?>
+<p:sld xmlns:a="http://schemas.openxmlformats.org/drawingml/2006/main" xmlns:r="http://schemas.openxmlformats.org/officeDocument/2006/relationships" xmlns:p="http://schemas.openxmlformats.org/presentationml/2006/main">
+  <p:cSld>
+    <p:spTree>
+      <p:nvGrpSpPr>
+        <p:cNvPr id="1" name=""/>
+        <p:cNvGrpSpPr/>
+        <p:nvPr/>
+      </p:nvGrpSpPr>
+      <p:grpSpPr>
+        <a:xfrm>
+          <a:off x="0" y="0"/>
+          <a:ext cx="0" cy="0"/>
+          <a:chOff x="0" y="0"/>
+          <a:chExt cx="0" cy="0"/>
+        </a:xfrm>
+      </p:grpSpPr>
+      <p:sp>
+        <p:nvSpPr>
+          <p:cNvPr id="2" name="Title 1"/>
+          <p:cNvSpPr>
+            <a:spLocks noGrp="1"/>
+          </p:cNvSpPr>
+          <p:nvPr>
+            <p:ph type="title"/>
+          </p:nvPr>
+        </p:nvSpPr>
+        <p:spPr/>
+        <p:txBody>
+          <a:bodyPr/>
+          <a:lstStyle/>
+          <a:p>
+            <a:r>
+              <a:rPr lang="en-US" dirty="0" smtClean="0"/>
+              <a:t>What is a profile?</a:t>
+            </a:r>
+            <a:endParaRPr lang="en-US" dirty="0"/>
+          </a:p>
+        </p:txBody>
+      </p:sp>
+      <p:sp>
+        <p:nvSpPr>
+          <p:cNvPr id="3" name="Content Placeholder 2"/>
+          <p:cNvSpPr>
+            <a:spLocks noGrp="1"/>
+          </p:cNvSpPr>
+          <p:nvPr>
+            <p:ph idx="1"/>
+          </p:nvPr>
+        </p:nvSpPr>
+        <p:spPr/>
+        <p:txBody>
+          <a:bodyPr/>
+          <a:lstStyle/>
+          <a:p>
+            <a:pPr marL="0" indent="0">
+              <a:buNone/>
+            </a:pPr>
+            <a:r>
+              <a:rPr lang="en-US" dirty="0" smtClean="0"/>
+              <a:t>“A Data Curation Profile is a tool that can be used to provide a foundational base of information about a particular set of data that may be curated by an academic library or other institution.”</a:t>
+            </a:r>
+          </a:p>
+          <a:p>
+            <a:pPr marL="0" indent="0">
+              <a:buNone/>
+            </a:pPr>
+            <a:r>
+              <a:rPr lang="en-US" dirty="0"/>
+              <a:t>	</a:t>
+            </a:r>
+            <a:r>
+              <a:rPr lang="en-US" dirty="0" smtClean="0"/>
+              <a:t>(Carlson and Witt, 2010) </a:t>
+            </a:r>
+            <a:endParaRPr lang="en-US" dirty="0"/>
+          </a:p>
+        </p:txBody>
+      </p:sp>
+    </p:spTree>
+    <p:extLst>
+      <p:ext uri="{BB962C8B-B14F-4D97-AF65-F5344CB8AC3E}">
+        <p14:creationId xmlns:p14="http://schemas.microsoft.com/office/powerpoint/2010/main" val="2444184472"/>
+      </p:ext>
+    </p:extLst>
+  </p:cSld>
+  <p:clrMapOvr>
+    <a:masterClrMapping/>
+  </p:clrMapOvr>
+</p:sld>
+</file>
+
+<file path=ppt/slides/slide20.xml><?xml version="1.0" encoding="utf-8"?>
 <p:sld xmlns:a="http://schemas.openxmlformats.org/drawingml/2006/main" xmlns:r="http://schemas.openxmlformats.org/officeDocument/2006/relationships" xmlns:p="http://schemas.openxmlformats.org/presentationml/2006/main">
   <p:cSld>
     <p:spTree>
@@ -5243,99 +5503,7 @@
 </p:sld>
 </file>
 
-<file path=ppt/slides/slide2.xml><?xml version="1.0" encoding="utf-8"?>
-<p:sld xmlns:a="http://schemas.openxmlformats.org/drawingml/2006/main" xmlns:r="http://schemas.openxmlformats.org/officeDocument/2006/relationships" xmlns:p="http://schemas.openxmlformats.org/presentationml/2006/main">
-  <p:cSld>
-    <p:spTree>
-      <p:nvGrpSpPr>
-        <p:cNvPr id="1" name=""/>
-        <p:cNvGrpSpPr/>
-        <p:nvPr/>
-      </p:nvGrpSpPr>
-      <p:grpSpPr>
-        <a:xfrm>
-          <a:off x="0" y="0"/>
-          <a:ext cx="0" cy="0"/>
-          <a:chOff x="0" y="0"/>
-          <a:chExt cx="0" cy="0"/>
-        </a:xfrm>
-      </p:grpSpPr>
-      <p:sp>
-        <p:nvSpPr>
-          <p:cNvPr id="2" name="Title 1"/>
-          <p:cNvSpPr>
-            <a:spLocks noGrp="1"/>
-          </p:cNvSpPr>
-          <p:nvPr>
-            <p:ph type="title"/>
-          </p:nvPr>
-        </p:nvSpPr>
-        <p:spPr/>
-        <p:txBody>
-          <a:bodyPr/>
-          <a:lstStyle/>
-          <a:p>
-            <a:r>
-              <a:rPr lang="en-US" dirty="0" smtClean="0"/>
-              <a:t>What is a profile?</a:t>
-            </a:r>
-            <a:endParaRPr lang="en-US" dirty="0"/>
-          </a:p>
-        </p:txBody>
-      </p:sp>
-      <p:sp>
-        <p:nvSpPr>
-          <p:cNvPr id="3" name="Content Placeholder 2"/>
-          <p:cNvSpPr>
-            <a:spLocks noGrp="1"/>
-          </p:cNvSpPr>
-          <p:nvPr>
-            <p:ph idx="1"/>
-          </p:nvPr>
-        </p:nvSpPr>
-        <p:spPr/>
-        <p:txBody>
-          <a:bodyPr/>
-          <a:lstStyle/>
-          <a:p>
-            <a:pPr marL="0" indent="0">
-              <a:buNone/>
-            </a:pPr>
-            <a:r>
-              <a:rPr lang="en-US" dirty="0" smtClean="0"/>
-              <a:t>“A Data Curation Profile is a tool that can be used to provide a foundational base of information about a particular set of data that may be curated by an academic library or other institution.”</a:t>
-            </a:r>
-          </a:p>
-          <a:p>
-            <a:pPr marL="0" indent="0">
-              <a:buNone/>
-            </a:pPr>
-            <a:r>
-              <a:rPr lang="en-US" dirty="0"/>
-              <a:t>	</a:t>
-            </a:r>
-            <a:r>
-              <a:rPr lang="en-US" dirty="0" smtClean="0"/>
-              <a:t>(Carlson and Witt, 2010) </a:t>
-            </a:r>
-            <a:endParaRPr lang="en-US" dirty="0"/>
-          </a:p>
-        </p:txBody>
-      </p:sp>
-    </p:spTree>
-    <p:extLst>
-      <p:ext uri="{BB962C8B-B14F-4D97-AF65-F5344CB8AC3E}">
-        <p14:creationId xmlns:p14="http://schemas.microsoft.com/office/powerpoint/2010/main" val="2444184472"/>
-      </p:ext>
-    </p:extLst>
-  </p:cSld>
-  <p:clrMapOvr>
-    <a:masterClrMapping/>
-  </p:clrMapOvr>
-</p:sld>
-</file>
-
-<file path=ppt/slides/slide20.xml><?xml version="1.0" encoding="utf-8"?>
+<file path=ppt/slides/slide21.xml><?xml version="1.0" encoding="utf-8"?>
 <p:sld xmlns:a="http://schemas.openxmlformats.org/drawingml/2006/main" xmlns:r="http://schemas.openxmlformats.org/officeDocument/2006/relationships" xmlns:p="http://schemas.openxmlformats.org/presentationml/2006/main">
   <p:cSld>
     <p:spTree>
@@ -5439,7 +5607,7 @@
 </p:sld>
 </file>
 
-<file path=ppt/slides/slide21.xml><?xml version="1.0" encoding="utf-8"?>
+<file path=ppt/slides/slide22.xml><?xml version="1.0" encoding="utf-8"?>
 <p:sld xmlns:a="http://schemas.openxmlformats.org/drawingml/2006/main" xmlns:r="http://schemas.openxmlformats.org/officeDocument/2006/relationships" xmlns:p="http://schemas.openxmlformats.org/presentationml/2006/main">
   <p:cSld>
     <p:spTree>
@@ -5541,88 +5709,6 @@
 </p:sld>
 </file>
 
-<file path=ppt/slides/slide22.xml><?xml version="1.0" encoding="utf-8"?>
-<p:sld xmlns:a="http://schemas.openxmlformats.org/drawingml/2006/main" xmlns:r="http://schemas.openxmlformats.org/officeDocument/2006/relationships" xmlns:p="http://schemas.openxmlformats.org/presentationml/2006/main">
-  <p:cSld>
-    <p:spTree>
-      <p:nvGrpSpPr>
-        <p:cNvPr id="1" name=""/>
-        <p:cNvGrpSpPr/>
-        <p:nvPr/>
-      </p:nvGrpSpPr>
-      <p:grpSpPr>
-        <a:xfrm>
-          <a:off x="0" y="0"/>
-          <a:ext cx="0" cy="0"/>
-          <a:chOff x="0" y="0"/>
-          <a:chExt cx="0" cy="0"/>
-        </a:xfrm>
-      </p:grpSpPr>
-      <p:sp>
-        <p:nvSpPr>
-          <p:cNvPr id="2" name="Title 1"/>
-          <p:cNvSpPr>
-            <a:spLocks noGrp="1"/>
-          </p:cNvSpPr>
-          <p:nvPr>
-            <p:ph type="title"/>
-          </p:nvPr>
-        </p:nvSpPr>
-        <p:spPr/>
-        <p:txBody>
-          <a:bodyPr/>
-          <a:lstStyle/>
-          <a:p>
-            <a:r>
-              <a:rPr lang="en-US" dirty="0" smtClean="0"/>
-              <a:t>Exploring the DMP Tool</a:t>
-            </a:r>
-            <a:endParaRPr lang="en-US" dirty="0"/>
-          </a:p>
-        </p:txBody>
-      </p:sp>
-      <p:sp>
-        <p:nvSpPr>
-          <p:cNvPr id="3" name="Content Placeholder 2"/>
-          <p:cNvSpPr>
-            <a:spLocks noGrp="1"/>
-          </p:cNvSpPr>
-          <p:nvPr>
-            <p:ph idx="1"/>
-          </p:nvPr>
-        </p:nvSpPr>
-        <p:spPr/>
-        <p:txBody>
-          <a:bodyPr/>
-          <a:lstStyle/>
-          <a:p>
-            <a:r>
-              <a:rPr lang="en-US" dirty="0" smtClean="0"/>
-              <a:t>Try selecting different templates – what are the differences?  What could be used in your work?</a:t>
-            </a:r>
-          </a:p>
-          <a:p>
-            <a:r>
-              <a:rPr lang="en-US" dirty="0" smtClean="0"/>
-              <a:t>Try copying existing templates – when would these be helpful?</a:t>
-            </a:r>
-            <a:endParaRPr lang="en-US" dirty="0"/>
-          </a:p>
-        </p:txBody>
-      </p:sp>
-    </p:spTree>
-    <p:extLst>
-      <p:ext uri="{BB962C8B-B14F-4D97-AF65-F5344CB8AC3E}">
-        <p14:creationId xmlns:p14="http://schemas.microsoft.com/office/powerpoint/2010/main" val="2160140463"/>
-      </p:ext>
-    </p:extLst>
-  </p:cSld>
-  <p:clrMapOvr>
-    <a:masterClrMapping/>
-  </p:clrMapOvr>
-</p:sld>
-</file>
-
 <file path=ppt/slides/slide23.xml><?xml version="1.0" encoding="utf-8"?>
 <p:sld xmlns:a="http://schemas.openxmlformats.org/drawingml/2006/main" xmlns:r="http://schemas.openxmlformats.org/officeDocument/2006/relationships" xmlns:p="http://schemas.openxmlformats.org/presentationml/2006/main">
   <p:cSld>
@@ -5652,6 +5738,88 @@
         </p:nvSpPr>
         <p:spPr/>
         <p:txBody>
+          <a:bodyPr/>
+          <a:lstStyle/>
+          <a:p>
+            <a:r>
+              <a:rPr lang="en-US" dirty="0" smtClean="0"/>
+              <a:t>Exploring the DMP Tool</a:t>
+            </a:r>
+            <a:endParaRPr lang="en-US" dirty="0"/>
+          </a:p>
+        </p:txBody>
+      </p:sp>
+      <p:sp>
+        <p:nvSpPr>
+          <p:cNvPr id="3" name="Content Placeholder 2"/>
+          <p:cNvSpPr>
+            <a:spLocks noGrp="1"/>
+          </p:cNvSpPr>
+          <p:nvPr>
+            <p:ph idx="1"/>
+          </p:nvPr>
+        </p:nvSpPr>
+        <p:spPr/>
+        <p:txBody>
+          <a:bodyPr/>
+          <a:lstStyle/>
+          <a:p>
+            <a:r>
+              <a:rPr lang="en-US" dirty="0" smtClean="0"/>
+              <a:t>Try selecting different templates – what are the differences?  What could be used in your work?</a:t>
+            </a:r>
+          </a:p>
+          <a:p>
+            <a:r>
+              <a:rPr lang="en-US" dirty="0" smtClean="0"/>
+              <a:t>Try copying existing templates – when would these be helpful?</a:t>
+            </a:r>
+            <a:endParaRPr lang="en-US" dirty="0"/>
+          </a:p>
+        </p:txBody>
+      </p:sp>
+    </p:spTree>
+    <p:extLst>
+      <p:ext uri="{BB962C8B-B14F-4D97-AF65-F5344CB8AC3E}">
+        <p14:creationId xmlns:p14="http://schemas.microsoft.com/office/powerpoint/2010/main" val="2160140463"/>
+      </p:ext>
+    </p:extLst>
+  </p:cSld>
+  <p:clrMapOvr>
+    <a:masterClrMapping/>
+  </p:clrMapOvr>
+</p:sld>
+</file>
+
+<file path=ppt/slides/slide24.xml><?xml version="1.0" encoding="utf-8"?>
+<p:sld xmlns:a="http://schemas.openxmlformats.org/drawingml/2006/main" xmlns:r="http://schemas.openxmlformats.org/officeDocument/2006/relationships" xmlns:p="http://schemas.openxmlformats.org/presentationml/2006/main">
+  <p:cSld>
+    <p:spTree>
+      <p:nvGrpSpPr>
+        <p:cNvPr id="1" name=""/>
+        <p:cNvGrpSpPr/>
+        <p:nvPr/>
+      </p:nvGrpSpPr>
+      <p:grpSpPr>
+        <a:xfrm>
+          <a:off x="0" y="0"/>
+          <a:ext cx="0" cy="0"/>
+          <a:chOff x="0" y="0"/>
+          <a:chExt cx="0" cy="0"/>
+        </a:xfrm>
+      </p:grpSpPr>
+      <p:sp>
+        <p:nvSpPr>
+          <p:cNvPr id="2" name="Title 1"/>
+          <p:cNvSpPr>
+            <a:spLocks noGrp="1"/>
+          </p:cNvSpPr>
+          <p:nvPr>
+            <p:ph type="title"/>
+          </p:nvPr>
+        </p:nvSpPr>
+        <p:spPr/>
+        <p:txBody>
           <a:bodyPr>
             <a:normAutofit/>
           </a:bodyPr>
@@ -5703,7 +5871,7 @@
 </p:sld>
 </file>
 
-<file path=ppt/slides/slide24.xml><?xml version="1.0" encoding="utf-8"?>
+<file path=ppt/slides/slide25.xml><?xml version="1.0" encoding="utf-8"?>
 <p:sld xmlns:a="http://schemas.openxmlformats.org/drawingml/2006/main" xmlns:r="http://schemas.openxmlformats.org/officeDocument/2006/relationships" xmlns:p="http://schemas.openxmlformats.org/presentationml/2006/main">
   <p:cSld>
     <p:spTree>
@@ -6288,34 +6456,48 @@
         </p:nvSpPr>
         <p:spPr/>
         <p:txBody>
-          <a:bodyPr/>
-          <a:lstStyle/>
-          <a:p>
-            <a:r>
-              <a:rPr lang="en-US" dirty="0" smtClean="0"/>
-              <a:t>What profiles (should) not do?</a:t>
-            </a:r>
-            <a:endParaRPr lang="en-US" dirty="0"/>
-          </a:p>
-        </p:txBody>
-      </p:sp>
-      <p:sp>
-        <p:nvSpPr>
-          <p:cNvPr id="3" name="Content Placeholder 2"/>
-          <p:cNvSpPr>
-            <a:spLocks noGrp="1"/>
-          </p:cNvSpPr>
-          <p:nvPr>
-            <p:ph idx="1"/>
-          </p:nvPr>
-        </p:nvSpPr>
-        <p:spPr/>
-        <p:txBody>
           <a:bodyPr>
             <a:normAutofit/>
           </a:bodyPr>
           <a:lstStyle/>
           <a:p>
+            <a:r>
+              <a:rPr lang="en-US" dirty="0" smtClean="0"/>
+              <a:t>What </a:t>
+            </a:r>
+            <a:r>
+              <a:rPr lang="en-US" dirty="0" smtClean="0"/>
+              <a:t>shouldn’t profiles </a:t>
+            </a:r>
+            <a:r>
+              <a:rPr lang="en-US" dirty="0" smtClean="0"/>
+              <a:t>do</a:t>
+            </a:r>
+            <a:r>
+              <a:rPr lang="en-US" dirty="0" smtClean="0"/>
+              <a:t>?</a:t>
+            </a:r>
+            <a:endParaRPr lang="en-US" dirty="0"/>
+          </a:p>
+        </p:txBody>
+      </p:sp>
+      <p:sp>
+        <p:nvSpPr>
+          <p:cNvPr id="3" name="Content Placeholder 2"/>
+          <p:cNvSpPr>
+            <a:spLocks noGrp="1"/>
+          </p:cNvSpPr>
+          <p:nvPr>
+            <p:ph idx="1"/>
+          </p:nvPr>
+        </p:nvSpPr>
+        <p:spPr/>
+        <p:txBody>
+          <a:bodyPr>
+            <a:normAutofit/>
+          </a:bodyPr>
+          <a:lstStyle/>
+          <a:p>
             <a:pPr marL="0" indent="0">
               <a:buNone/>
             </a:pPr>
@@ -6341,23 +6523,7 @@
             </a:r>
             <a:r>
               <a:rPr lang="en-US" dirty="0" smtClean="0"/>
-              <a:t>-</a:t>
-            </a:r>
-            <a:r>
-              <a:rPr lang="en-US" dirty="0" smtClean="0"/>
-              <a:t> </a:t>
-            </a:r>
-            <a:r>
-              <a:rPr lang="en-US" dirty="0" smtClean="0"/>
-              <a:t>profiles </a:t>
-            </a:r>
-            <a:r>
-              <a:rPr lang="en-US" dirty="0" smtClean="0"/>
-              <a:t>provide </a:t>
-            </a:r>
-            <a:r>
-              <a:rPr lang="en-US" dirty="0" smtClean="0"/>
-              <a:t>depth, </a:t>
+              <a:t>- profiles provide depth, </a:t>
             </a:r>
             <a:r>
               <a:rPr lang="en-US" dirty="0"/>
@@ -6381,19 +6547,7 @@
             </a:pPr>
             <a:r>
               <a:rPr lang="en-US" dirty="0" smtClean="0"/>
-              <a:t>Be interpreted </a:t>
-            </a:r>
-            <a:r>
-              <a:rPr lang="en-US" dirty="0" smtClean="0"/>
-              <a:t>as </a:t>
-            </a:r>
-            <a:r>
-              <a:rPr lang="en-US" dirty="0" smtClean="0"/>
-              <a:t>permanent: </a:t>
-            </a:r>
-            <a:r>
-              <a:rPr lang="en-US" dirty="0" smtClean="0"/>
-              <a:t>needs for a dataset will </a:t>
+              <a:t>Be interpreted as permanent: needs for a dataset will </a:t>
             </a:r>
             <a:r>
               <a:rPr lang="en-US" dirty="0"/>
@@ -6683,11 +6837,7 @@
           <a:p>
             <a:r>
               <a:rPr lang="en-US" dirty="0" smtClean="0"/>
-              <a:t>Interviewer’s </a:t>
-            </a:r>
-            <a:r>
-              <a:rPr lang="en-US" dirty="0" smtClean="0"/>
-              <a:t>Manual</a:t>
+              <a:t>Interviewer’s Manual</a:t>
             </a:r>
             <a:endParaRPr lang="en-US" dirty="0"/>
           </a:p>
@@ -6710,15 +6860,7 @@
           <a:p>
             <a:r>
               <a:rPr lang="en-US" dirty="0" smtClean="0"/>
-              <a:t>Basic instructions on on how to conduct a data interview, including a very </a:t>
-            </a:r>
-            <a:r>
-              <a:rPr lang="en-US" dirty="0" smtClean="0"/>
-              <a:t>thorough </a:t>
-            </a:r>
-            <a:r>
-              <a:rPr lang="en-US" dirty="0" smtClean="0"/>
-              <a:t>questionnaire (“Ask this…”)</a:t>
+              <a:t>Basic instructions on on how to conduct a data interview, including a very thorough questionnaire (“Ask this…”)</a:t>
             </a:r>
           </a:p>
           <a:p>

--- a/Day_1/Lab/Day_1_Lab_DCToolkit.pptx
+++ b/Day_1/Lab/Day_1_Lab_DCToolkit.pptx
@@ -216,7 +216,7 @@
           <a:p>
             <a:fld id="{6F9630DF-B6D4-9946-8058-C28FEFA82E3B}" type="datetimeFigureOut">
               <a:rPr lang="en-US" smtClean="0"/>
-              <a:t>2/9/15</a:t>
+              <a:t>2/15/15</a:t>
             </a:fld>
             <a:endParaRPr lang="en-US"/>
           </a:p>
@@ -1172,7 +1172,7 @@
           <a:p>
             <a:fld id="{9D6228D5-5F93-BB4A-964B-203967C46295}" type="datetimeFigureOut">
               <a:rPr lang="en-US" smtClean="0"/>
-              <a:t>2/9/15</a:t>
+              <a:t>2/15/15</a:t>
             </a:fld>
             <a:endParaRPr lang="en-US"/>
           </a:p>
@@ -1342,7 +1342,7 @@
           <a:p>
             <a:fld id="{9D6228D5-5F93-BB4A-964B-203967C46295}" type="datetimeFigureOut">
               <a:rPr lang="en-US" smtClean="0"/>
-              <a:t>2/9/15</a:t>
+              <a:t>2/15/15</a:t>
             </a:fld>
             <a:endParaRPr lang="en-US"/>
           </a:p>
@@ -1522,7 +1522,7 @@
           <a:p>
             <a:fld id="{9D6228D5-5F93-BB4A-964B-203967C46295}" type="datetimeFigureOut">
               <a:rPr lang="en-US" smtClean="0"/>
-              <a:t>2/9/15</a:t>
+              <a:t>2/15/15</a:t>
             </a:fld>
             <a:endParaRPr lang="en-US"/>
           </a:p>
@@ -1692,7 +1692,7 @@
           <a:p>
             <a:fld id="{9D6228D5-5F93-BB4A-964B-203967C46295}" type="datetimeFigureOut">
               <a:rPr lang="en-US" smtClean="0"/>
-              <a:t>2/9/15</a:t>
+              <a:t>2/15/15</a:t>
             </a:fld>
             <a:endParaRPr lang="en-US"/>
           </a:p>
@@ -1938,7 +1938,7 @@
           <a:p>
             <a:fld id="{9D6228D5-5F93-BB4A-964B-203967C46295}" type="datetimeFigureOut">
               <a:rPr lang="en-US" smtClean="0"/>
-              <a:t>2/9/15</a:t>
+              <a:t>2/15/15</a:t>
             </a:fld>
             <a:endParaRPr lang="en-US"/>
           </a:p>
@@ -2226,7 +2226,7 @@
           <a:p>
             <a:fld id="{9D6228D5-5F93-BB4A-964B-203967C46295}" type="datetimeFigureOut">
               <a:rPr lang="en-US" smtClean="0"/>
-              <a:t>2/9/15</a:t>
+              <a:t>2/15/15</a:t>
             </a:fld>
             <a:endParaRPr lang="en-US"/>
           </a:p>
@@ -2648,7 +2648,7 @@
           <a:p>
             <a:fld id="{9D6228D5-5F93-BB4A-964B-203967C46295}" type="datetimeFigureOut">
               <a:rPr lang="en-US" smtClean="0"/>
-              <a:t>2/9/15</a:t>
+              <a:t>2/15/15</a:t>
             </a:fld>
             <a:endParaRPr lang="en-US"/>
           </a:p>
@@ -2766,7 +2766,7 @@
           <a:p>
             <a:fld id="{9D6228D5-5F93-BB4A-964B-203967C46295}" type="datetimeFigureOut">
               <a:rPr lang="en-US" smtClean="0"/>
-              <a:t>2/9/15</a:t>
+              <a:t>2/15/15</a:t>
             </a:fld>
             <a:endParaRPr lang="en-US"/>
           </a:p>
@@ -2861,7 +2861,7 @@
           <a:p>
             <a:fld id="{9D6228D5-5F93-BB4A-964B-203967C46295}" type="datetimeFigureOut">
               <a:rPr lang="en-US" smtClean="0"/>
-              <a:t>2/9/15</a:t>
+              <a:t>2/15/15</a:t>
             </a:fld>
             <a:endParaRPr lang="en-US"/>
           </a:p>
@@ -3138,7 +3138,7 @@
           <a:p>
             <a:fld id="{9D6228D5-5F93-BB4A-964B-203967C46295}" type="datetimeFigureOut">
               <a:rPr lang="en-US" smtClean="0"/>
-              <a:t>2/9/15</a:t>
+              <a:t>2/15/15</a:t>
             </a:fld>
             <a:endParaRPr lang="en-US"/>
           </a:p>
@@ -3395,7 +3395,7 @@
           <a:p>
             <a:fld id="{9D6228D5-5F93-BB4A-964B-203967C46295}" type="datetimeFigureOut">
               <a:rPr lang="en-US" smtClean="0"/>
-              <a:t>2/9/15</a:t>
+              <a:t>2/15/15</a:t>
             </a:fld>
             <a:endParaRPr lang="en-US"/>
           </a:p>
@@ -3608,7 +3608,7 @@
           <a:p>
             <a:fld id="{9D6228D5-5F93-BB4A-964B-203967C46295}" type="datetimeFigureOut">
               <a:rPr lang="en-US" smtClean="0"/>
-              <a:t>2/9/15</a:t>
+              <a:t>2/15/15</a:t>
             </a:fld>
             <a:endParaRPr lang="en-US"/>
           </a:p>
@@ -5009,7 +5009,7 @@
             </a:r>
             <a:r>
               <a:rPr lang="en-US" dirty="0" smtClean="0"/>
-              <a:t>20-30 </a:t>
+              <a:t>20 </a:t>
             </a:r>
             <a:r>
               <a:rPr lang="en-US" dirty="0" smtClean="0"/>
@@ -5038,7 +5038,6 @@
               <a:rPr lang="en-US" dirty="0" smtClean="0"/>
               <a:t>In lieu of people, we will profile public datasets</a:t>
             </a:r>
-            <a:endParaRPr lang="en-US" dirty="0" smtClean="0"/>
           </a:p>
           <a:p>
             <a:r>
@@ -5057,13 +5056,20 @@
           <a:p>
             <a:r>
               <a:rPr lang="en-US" dirty="0" smtClean="0"/>
-              <a:t>Use this to profile each dataset </a:t>
+              <a:t>Use this to profile </a:t>
+            </a:r>
+            <a:r>
+              <a:rPr lang="en-US" dirty="0" smtClean="0"/>
+              <a:t>one of the</a:t>
+            </a:r>
+            <a:r>
+              <a:rPr lang="en-US" dirty="0" smtClean="0"/>
+              <a:t> datasets </a:t>
             </a:r>
             <a:r>
               <a:rPr lang="en-US" dirty="0" smtClean="0"/>
               <a:t>linked in your workbook</a:t>
             </a:r>
-            <a:endParaRPr lang="en-US" dirty="0" smtClean="0"/>
           </a:p>
         </p:txBody>
       </p:sp>
@@ -6463,19 +6469,7 @@
           <a:p>
             <a:r>
               <a:rPr lang="en-US" dirty="0" smtClean="0"/>
-              <a:t>What </a:t>
-            </a:r>
-            <a:r>
-              <a:rPr lang="en-US" dirty="0" smtClean="0"/>
-              <a:t>shouldn’t profiles </a:t>
-            </a:r>
-            <a:r>
-              <a:rPr lang="en-US" dirty="0" smtClean="0"/>
-              <a:t>do</a:t>
-            </a:r>
-            <a:r>
-              <a:rPr lang="en-US" dirty="0" smtClean="0"/>
-              <a:t>?</a:t>
+              <a:t>What shouldn’t profiles do?</a:t>
             </a:r>
             <a:endParaRPr lang="en-US" dirty="0"/>
           </a:p>

--- a/Day_1/Lab/Day_1_Lab_DCToolkit.pptx
+++ b/Day_1/Lab/Day_1_Lab_DCToolkit.pptx
@@ -5,7 +5,7 @@
     <p:sldMasterId id="2147483648" r:id="rId1"/>
   </p:sldMasterIdLst>
   <p:notesMasterIdLst>
-    <p:notesMasterId r:id="rId27"/>
+    <p:notesMasterId r:id="rId28"/>
   </p:notesMasterIdLst>
   <p:sldIdLst>
     <p:sldId id="269" r:id="rId2"/>
@@ -25,14 +25,15 @@
     <p:sldId id="268" r:id="rId16"/>
     <p:sldId id="271" r:id="rId17"/>
     <p:sldId id="273" r:id="rId18"/>
-    <p:sldId id="281" r:id="rId19"/>
-    <p:sldId id="274" r:id="rId20"/>
-    <p:sldId id="275" r:id="rId21"/>
-    <p:sldId id="276" r:id="rId22"/>
-    <p:sldId id="277" r:id="rId23"/>
-    <p:sldId id="278" r:id="rId24"/>
-    <p:sldId id="279" r:id="rId25"/>
-    <p:sldId id="280" r:id="rId26"/>
+    <p:sldId id="282" r:id="rId19"/>
+    <p:sldId id="281" r:id="rId20"/>
+    <p:sldId id="274" r:id="rId21"/>
+    <p:sldId id="275" r:id="rId22"/>
+    <p:sldId id="276" r:id="rId23"/>
+    <p:sldId id="277" r:id="rId24"/>
+    <p:sldId id="278" r:id="rId25"/>
+    <p:sldId id="279" r:id="rId26"/>
+    <p:sldId id="280" r:id="rId27"/>
   </p:sldIdLst>
   <p:sldSz cx="9144000" cy="6858000" type="screen4x3"/>
   <p:notesSz cx="6858000" cy="9144000"/>
@@ -5005,15 +5006,7 @@
           <a:p>
             <a:r>
               <a:rPr lang="en-US" dirty="0" smtClean="0"/>
-              <a:t>Activity (</a:t>
-            </a:r>
-            <a:r>
-              <a:rPr lang="en-US" dirty="0" smtClean="0"/>
-              <a:t>20 </a:t>
-            </a:r>
-            <a:r>
-              <a:rPr lang="en-US" dirty="0" smtClean="0"/>
-              <a:t>min)</a:t>
+              <a:t>Activity (20 min)</a:t>
             </a:r>
             <a:endParaRPr lang="en-US" dirty="0"/>
           </a:p>
@@ -5056,20 +5049,15 @@
           <a:p>
             <a:r>
               <a:rPr lang="en-US" dirty="0" smtClean="0"/>
-              <a:t>Use this to profile </a:t>
-            </a:r>
-            <a:r>
-              <a:rPr lang="en-US" dirty="0" smtClean="0"/>
-              <a:t>one of the</a:t>
-            </a:r>
-            <a:r>
-              <a:rPr lang="en-US" dirty="0" smtClean="0"/>
-              <a:t> datasets </a:t>
-            </a:r>
-            <a:r>
-              <a:rPr lang="en-US" dirty="0" smtClean="0"/>
-              <a:t>linked in your workbook</a:t>
-            </a:r>
+              <a:t>Use this to profile one of the datasets linked in your </a:t>
+            </a:r>
+            <a:r>
+              <a:rPr lang="en-US" dirty="0" smtClean="0"/>
+              <a:t>workbook</a:t>
+            </a:r>
+          </a:p>
+          <a:p>
+            <a:endParaRPr lang="en-US" dirty="0" smtClean="0"/>
           </a:p>
         </p:txBody>
       </p:sp>
@@ -5120,6 +5108,172 @@
           <a:p>
             <a:r>
               <a:rPr lang="en-US" dirty="0" smtClean="0"/>
+              <a:t>Links (if workbook not available)</a:t>
+            </a:r>
+            <a:endParaRPr lang="en-US" dirty="0"/>
+          </a:p>
+        </p:txBody>
+      </p:sp>
+      <p:sp>
+        <p:nvSpPr>
+          <p:cNvPr id="3" name="Content Placeholder 2"/>
+          <p:cNvSpPr>
+            <a:spLocks noGrp="1"/>
+          </p:cNvSpPr>
+          <p:nvPr>
+            <p:ph idx="1"/>
+          </p:nvPr>
+        </p:nvSpPr>
+        <p:spPr/>
+        <p:txBody>
+          <a:bodyPr/>
+          <a:lstStyle/>
+          <a:p>
+            <a:r>
+              <a:rPr lang="en-US" dirty="0" err="1" smtClean="0"/>
+              <a:t>HathiTrust</a:t>
+            </a:r>
+            <a:r>
+              <a:rPr lang="en-US" dirty="0" smtClean="0"/>
+              <a:t> data</a:t>
+            </a:r>
+          </a:p>
+          <a:p>
+            <a:pPr lvl="1"/>
+            <a:r>
+              <a:rPr lang="en-US" dirty="0">
+                <a:hlinkClick r:id="rId2"/>
+              </a:rPr>
+              <a:t>http://bit.ly/</a:t>
+            </a:r>
+            <a:r>
+              <a:rPr lang="en-US" dirty="0" smtClean="0">
+                <a:hlinkClick r:id="rId2"/>
+              </a:rPr>
+              <a:t>1FfscoC</a:t>
+            </a:r>
+            <a:r>
+              <a:rPr lang="en-US" dirty="0" smtClean="0"/>
+              <a:t> for data</a:t>
+            </a:r>
+          </a:p>
+          <a:p>
+            <a:pPr lvl="1"/>
+            <a:r>
+              <a:rPr lang="en-US" dirty="0">
+                <a:hlinkClick r:id="rId3"/>
+              </a:rPr>
+              <a:t>http://bit.ly/</a:t>
+            </a:r>
+            <a:r>
+              <a:rPr lang="en-US" dirty="0" smtClean="0">
+                <a:hlinkClick r:id="rId3"/>
+              </a:rPr>
+              <a:t>1zXuXI3</a:t>
+            </a:r>
+            <a:r>
+              <a:rPr lang="en-US" dirty="0" smtClean="0"/>
+              <a:t> for further reading</a:t>
+            </a:r>
+          </a:p>
+          <a:p>
+            <a:pPr lvl="1"/>
+            <a:endParaRPr lang="en-US" dirty="0"/>
+          </a:p>
+          <a:p>
+            <a:r>
+              <a:rPr lang="en-US" dirty="0" smtClean="0"/>
+              <a:t>HK 2011 population data</a:t>
+            </a:r>
+          </a:p>
+          <a:p>
+            <a:pPr lvl="1"/>
+            <a:r>
+              <a:rPr lang="en-US" dirty="0">
+                <a:hlinkClick r:id="rId4"/>
+              </a:rPr>
+              <a:t>http://bit.ly/</a:t>
+            </a:r>
+            <a:r>
+              <a:rPr lang="en-US" dirty="0" smtClean="0">
+                <a:hlinkClick r:id="rId4"/>
+              </a:rPr>
+              <a:t>1EzHjpg</a:t>
+            </a:r>
+            <a:r>
+              <a:rPr lang="en-US" dirty="0" smtClean="0"/>
+              <a:t> for main tables</a:t>
+            </a:r>
+          </a:p>
+          <a:p>
+            <a:pPr lvl="1"/>
+            <a:r>
+              <a:rPr lang="en-US" dirty="0">
+                <a:hlinkClick r:id="rId5"/>
+              </a:rPr>
+              <a:t>http://bit.ly/</a:t>
+            </a:r>
+            <a:r>
+              <a:rPr lang="en-US" dirty="0" smtClean="0">
+                <a:hlinkClick r:id="rId5"/>
+              </a:rPr>
+              <a:t>1FQ7d9w</a:t>
+            </a:r>
+            <a:r>
+              <a:rPr lang="en-US" dirty="0" smtClean="0"/>
+              <a:t> for district profiles</a:t>
+            </a:r>
+            <a:endParaRPr lang="en-US" dirty="0"/>
+          </a:p>
+        </p:txBody>
+      </p:sp>
+    </p:spTree>
+    <p:extLst>
+      <p:ext uri="{BB962C8B-B14F-4D97-AF65-F5344CB8AC3E}">
+        <p14:creationId xmlns:p14="http://schemas.microsoft.com/office/powerpoint/2010/main" val="1901104161"/>
+      </p:ext>
+    </p:extLst>
+  </p:cSld>
+  <p:clrMapOvr>
+    <a:masterClrMapping/>
+  </p:clrMapOvr>
+</p:sld>
+</file>
+
+<file path=ppt/slides/slide19.xml><?xml version="1.0" encoding="utf-8"?>
+<p:sld xmlns:a="http://schemas.openxmlformats.org/drawingml/2006/main" xmlns:r="http://schemas.openxmlformats.org/officeDocument/2006/relationships" xmlns:p="http://schemas.openxmlformats.org/presentationml/2006/main">
+  <p:cSld>
+    <p:spTree>
+      <p:nvGrpSpPr>
+        <p:cNvPr id="1" name=""/>
+        <p:cNvGrpSpPr/>
+        <p:nvPr/>
+      </p:nvGrpSpPr>
+      <p:grpSpPr>
+        <a:xfrm>
+          <a:off x="0" y="0"/>
+          <a:ext cx="0" cy="0"/>
+          <a:chOff x="0" y="0"/>
+          <a:chExt cx="0" cy="0"/>
+        </a:xfrm>
+      </p:grpSpPr>
+      <p:sp>
+        <p:nvSpPr>
+          <p:cNvPr id="2" name="Title 1"/>
+          <p:cNvSpPr>
+            <a:spLocks noGrp="1"/>
+          </p:cNvSpPr>
+          <p:nvPr>
+            <p:ph type="title"/>
+          </p:nvPr>
+        </p:nvSpPr>
+        <p:spPr/>
+        <p:txBody>
+          <a:bodyPr/>
+          <a:lstStyle/>
+          <a:p>
+            <a:r>
+              <a:rPr lang="en-US" dirty="0" smtClean="0"/>
               <a:t>Discussion</a:t>
             </a:r>
             <a:endParaRPr lang="en-US" dirty="0"/>
@@ -5187,7 +5341,99 @@
 </p:sld>
 </file>
 
-<file path=ppt/slides/slide19.xml><?xml version="1.0" encoding="utf-8"?>
+<file path=ppt/slides/slide2.xml><?xml version="1.0" encoding="utf-8"?>
+<p:sld xmlns:a="http://schemas.openxmlformats.org/drawingml/2006/main" xmlns:r="http://schemas.openxmlformats.org/officeDocument/2006/relationships" xmlns:p="http://schemas.openxmlformats.org/presentationml/2006/main">
+  <p:cSld>
+    <p:spTree>
+      <p:nvGrpSpPr>
+        <p:cNvPr id="1" name=""/>
+        <p:cNvGrpSpPr/>
+        <p:nvPr/>
+      </p:nvGrpSpPr>
+      <p:grpSpPr>
+        <a:xfrm>
+          <a:off x="0" y="0"/>
+          <a:ext cx="0" cy="0"/>
+          <a:chOff x="0" y="0"/>
+          <a:chExt cx="0" cy="0"/>
+        </a:xfrm>
+      </p:grpSpPr>
+      <p:sp>
+        <p:nvSpPr>
+          <p:cNvPr id="2" name="Title 1"/>
+          <p:cNvSpPr>
+            <a:spLocks noGrp="1"/>
+          </p:cNvSpPr>
+          <p:nvPr>
+            <p:ph type="title"/>
+          </p:nvPr>
+        </p:nvSpPr>
+        <p:spPr/>
+        <p:txBody>
+          <a:bodyPr/>
+          <a:lstStyle/>
+          <a:p>
+            <a:r>
+              <a:rPr lang="en-US" dirty="0" smtClean="0"/>
+              <a:t>What is a profile?</a:t>
+            </a:r>
+            <a:endParaRPr lang="en-US" dirty="0"/>
+          </a:p>
+        </p:txBody>
+      </p:sp>
+      <p:sp>
+        <p:nvSpPr>
+          <p:cNvPr id="3" name="Content Placeholder 2"/>
+          <p:cNvSpPr>
+            <a:spLocks noGrp="1"/>
+          </p:cNvSpPr>
+          <p:nvPr>
+            <p:ph idx="1"/>
+          </p:nvPr>
+        </p:nvSpPr>
+        <p:spPr/>
+        <p:txBody>
+          <a:bodyPr/>
+          <a:lstStyle/>
+          <a:p>
+            <a:pPr marL="0" indent="0">
+              <a:buNone/>
+            </a:pPr>
+            <a:r>
+              <a:rPr lang="en-US" dirty="0" smtClean="0"/>
+              <a:t>“A Data Curation Profile is a tool that can be used to provide a foundational base of information about a particular set of data that may be curated by an academic library or other institution.”</a:t>
+            </a:r>
+          </a:p>
+          <a:p>
+            <a:pPr marL="0" indent="0">
+              <a:buNone/>
+            </a:pPr>
+            <a:r>
+              <a:rPr lang="en-US" dirty="0"/>
+              <a:t>	</a:t>
+            </a:r>
+            <a:r>
+              <a:rPr lang="en-US" dirty="0" smtClean="0"/>
+              <a:t>(Carlson and Witt, 2010) </a:t>
+            </a:r>
+            <a:endParaRPr lang="en-US" dirty="0"/>
+          </a:p>
+        </p:txBody>
+      </p:sp>
+    </p:spTree>
+    <p:extLst>
+      <p:ext uri="{BB962C8B-B14F-4D97-AF65-F5344CB8AC3E}">
+        <p14:creationId xmlns:p14="http://schemas.microsoft.com/office/powerpoint/2010/main" val="2444184472"/>
+      </p:ext>
+    </p:extLst>
+  </p:cSld>
+  <p:clrMapOvr>
+    <a:masterClrMapping/>
+  </p:clrMapOvr>
+</p:sld>
+</file>
+
+<file path=ppt/slides/slide20.xml><?xml version="1.0" encoding="utf-8"?>
 <p:sld xmlns:a="http://schemas.openxmlformats.org/drawingml/2006/main" xmlns:r="http://schemas.openxmlformats.org/officeDocument/2006/relationships" xmlns:p="http://schemas.openxmlformats.org/presentationml/2006/main">
   <p:cSld>
     <p:spTree>
@@ -5307,99 +5553,7 @@
 </p:sld>
 </file>
 
-<file path=ppt/slides/slide2.xml><?xml version="1.0" encoding="utf-8"?>
-<p:sld xmlns:a="http://schemas.openxmlformats.org/drawingml/2006/main" xmlns:r="http://schemas.openxmlformats.org/officeDocument/2006/relationships" xmlns:p="http://schemas.openxmlformats.org/presentationml/2006/main">
-  <p:cSld>
-    <p:spTree>
-      <p:nvGrpSpPr>
-        <p:cNvPr id="1" name=""/>
-        <p:cNvGrpSpPr/>
-        <p:nvPr/>
-      </p:nvGrpSpPr>
-      <p:grpSpPr>
-        <a:xfrm>
-          <a:off x="0" y="0"/>
-          <a:ext cx="0" cy="0"/>
-          <a:chOff x="0" y="0"/>
-          <a:chExt cx="0" cy="0"/>
-        </a:xfrm>
-      </p:grpSpPr>
-      <p:sp>
-        <p:nvSpPr>
-          <p:cNvPr id="2" name="Title 1"/>
-          <p:cNvSpPr>
-            <a:spLocks noGrp="1"/>
-          </p:cNvSpPr>
-          <p:nvPr>
-            <p:ph type="title"/>
-          </p:nvPr>
-        </p:nvSpPr>
-        <p:spPr/>
-        <p:txBody>
-          <a:bodyPr/>
-          <a:lstStyle/>
-          <a:p>
-            <a:r>
-              <a:rPr lang="en-US" dirty="0" smtClean="0"/>
-              <a:t>What is a profile?</a:t>
-            </a:r>
-            <a:endParaRPr lang="en-US" dirty="0"/>
-          </a:p>
-        </p:txBody>
-      </p:sp>
-      <p:sp>
-        <p:nvSpPr>
-          <p:cNvPr id="3" name="Content Placeholder 2"/>
-          <p:cNvSpPr>
-            <a:spLocks noGrp="1"/>
-          </p:cNvSpPr>
-          <p:nvPr>
-            <p:ph idx="1"/>
-          </p:nvPr>
-        </p:nvSpPr>
-        <p:spPr/>
-        <p:txBody>
-          <a:bodyPr/>
-          <a:lstStyle/>
-          <a:p>
-            <a:pPr marL="0" indent="0">
-              <a:buNone/>
-            </a:pPr>
-            <a:r>
-              <a:rPr lang="en-US" dirty="0" smtClean="0"/>
-              <a:t>“A Data Curation Profile is a tool that can be used to provide a foundational base of information about a particular set of data that may be curated by an academic library or other institution.”</a:t>
-            </a:r>
-          </a:p>
-          <a:p>
-            <a:pPr marL="0" indent="0">
-              <a:buNone/>
-            </a:pPr>
-            <a:r>
-              <a:rPr lang="en-US" dirty="0"/>
-              <a:t>	</a:t>
-            </a:r>
-            <a:r>
-              <a:rPr lang="en-US" dirty="0" smtClean="0"/>
-              <a:t>(Carlson and Witt, 2010) </a:t>
-            </a:r>
-            <a:endParaRPr lang="en-US" dirty="0"/>
-          </a:p>
-        </p:txBody>
-      </p:sp>
-    </p:spTree>
-    <p:extLst>
-      <p:ext uri="{BB962C8B-B14F-4D97-AF65-F5344CB8AC3E}">
-        <p14:creationId xmlns:p14="http://schemas.microsoft.com/office/powerpoint/2010/main" val="2444184472"/>
-      </p:ext>
-    </p:extLst>
-  </p:cSld>
-  <p:clrMapOvr>
-    <a:masterClrMapping/>
-  </p:clrMapOvr>
-</p:sld>
-</file>
-
-<file path=ppt/slides/slide20.xml><?xml version="1.0" encoding="utf-8"?>
+<file path=ppt/slides/slide21.xml><?xml version="1.0" encoding="utf-8"?>
 <p:sld xmlns:a="http://schemas.openxmlformats.org/drawingml/2006/main" xmlns:r="http://schemas.openxmlformats.org/officeDocument/2006/relationships" xmlns:p="http://schemas.openxmlformats.org/presentationml/2006/main">
   <p:cSld>
     <p:spTree>
@@ -5509,7 +5663,7 @@
 </p:sld>
 </file>
 
-<file path=ppt/slides/slide21.xml><?xml version="1.0" encoding="utf-8"?>
+<file path=ppt/slides/slide22.xml><?xml version="1.0" encoding="utf-8"?>
 <p:sld xmlns:a="http://schemas.openxmlformats.org/drawingml/2006/main" xmlns:r="http://schemas.openxmlformats.org/officeDocument/2006/relationships" xmlns:p="http://schemas.openxmlformats.org/presentationml/2006/main">
   <p:cSld>
     <p:spTree>
@@ -5613,7 +5767,7 @@
 </p:sld>
 </file>
 
-<file path=ppt/slides/slide22.xml><?xml version="1.0" encoding="utf-8"?>
+<file path=ppt/slides/slide23.xml><?xml version="1.0" encoding="utf-8"?>
 <p:sld xmlns:a="http://schemas.openxmlformats.org/drawingml/2006/main" xmlns:r="http://schemas.openxmlformats.org/officeDocument/2006/relationships" xmlns:p="http://schemas.openxmlformats.org/presentationml/2006/main">
   <p:cSld>
     <p:spTree>
@@ -5715,88 +5869,6 @@
 </p:sld>
 </file>
 
-<file path=ppt/slides/slide23.xml><?xml version="1.0" encoding="utf-8"?>
-<p:sld xmlns:a="http://schemas.openxmlformats.org/drawingml/2006/main" xmlns:r="http://schemas.openxmlformats.org/officeDocument/2006/relationships" xmlns:p="http://schemas.openxmlformats.org/presentationml/2006/main">
-  <p:cSld>
-    <p:spTree>
-      <p:nvGrpSpPr>
-        <p:cNvPr id="1" name=""/>
-        <p:cNvGrpSpPr/>
-        <p:nvPr/>
-      </p:nvGrpSpPr>
-      <p:grpSpPr>
-        <a:xfrm>
-          <a:off x="0" y="0"/>
-          <a:ext cx="0" cy="0"/>
-          <a:chOff x="0" y="0"/>
-          <a:chExt cx="0" cy="0"/>
-        </a:xfrm>
-      </p:grpSpPr>
-      <p:sp>
-        <p:nvSpPr>
-          <p:cNvPr id="2" name="Title 1"/>
-          <p:cNvSpPr>
-            <a:spLocks noGrp="1"/>
-          </p:cNvSpPr>
-          <p:nvPr>
-            <p:ph type="title"/>
-          </p:nvPr>
-        </p:nvSpPr>
-        <p:spPr/>
-        <p:txBody>
-          <a:bodyPr/>
-          <a:lstStyle/>
-          <a:p>
-            <a:r>
-              <a:rPr lang="en-US" dirty="0" smtClean="0"/>
-              <a:t>Exploring the DMP Tool</a:t>
-            </a:r>
-            <a:endParaRPr lang="en-US" dirty="0"/>
-          </a:p>
-        </p:txBody>
-      </p:sp>
-      <p:sp>
-        <p:nvSpPr>
-          <p:cNvPr id="3" name="Content Placeholder 2"/>
-          <p:cNvSpPr>
-            <a:spLocks noGrp="1"/>
-          </p:cNvSpPr>
-          <p:nvPr>
-            <p:ph idx="1"/>
-          </p:nvPr>
-        </p:nvSpPr>
-        <p:spPr/>
-        <p:txBody>
-          <a:bodyPr/>
-          <a:lstStyle/>
-          <a:p>
-            <a:r>
-              <a:rPr lang="en-US" dirty="0" smtClean="0"/>
-              <a:t>Try selecting different templates – what are the differences?  What could be used in your work?</a:t>
-            </a:r>
-          </a:p>
-          <a:p>
-            <a:r>
-              <a:rPr lang="en-US" dirty="0" smtClean="0"/>
-              <a:t>Try copying existing templates – when would these be helpful?</a:t>
-            </a:r>
-            <a:endParaRPr lang="en-US" dirty="0"/>
-          </a:p>
-        </p:txBody>
-      </p:sp>
-    </p:spTree>
-    <p:extLst>
-      <p:ext uri="{BB962C8B-B14F-4D97-AF65-F5344CB8AC3E}">
-        <p14:creationId xmlns:p14="http://schemas.microsoft.com/office/powerpoint/2010/main" val="2160140463"/>
-      </p:ext>
-    </p:extLst>
-  </p:cSld>
-  <p:clrMapOvr>
-    <a:masterClrMapping/>
-  </p:clrMapOvr>
-</p:sld>
-</file>
-
 <file path=ppt/slides/slide24.xml><?xml version="1.0" encoding="utf-8"?>
 <p:sld xmlns:a="http://schemas.openxmlformats.org/drawingml/2006/main" xmlns:r="http://schemas.openxmlformats.org/officeDocument/2006/relationships" xmlns:p="http://schemas.openxmlformats.org/presentationml/2006/main">
   <p:cSld>
@@ -5826,6 +5898,88 @@
         </p:nvSpPr>
         <p:spPr/>
         <p:txBody>
+          <a:bodyPr/>
+          <a:lstStyle/>
+          <a:p>
+            <a:r>
+              <a:rPr lang="en-US" dirty="0" smtClean="0"/>
+              <a:t>Exploring the DMP Tool</a:t>
+            </a:r>
+            <a:endParaRPr lang="en-US" dirty="0"/>
+          </a:p>
+        </p:txBody>
+      </p:sp>
+      <p:sp>
+        <p:nvSpPr>
+          <p:cNvPr id="3" name="Content Placeholder 2"/>
+          <p:cNvSpPr>
+            <a:spLocks noGrp="1"/>
+          </p:cNvSpPr>
+          <p:nvPr>
+            <p:ph idx="1"/>
+          </p:nvPr>
+        </p:nvSpPr>
+        <p:spPr/>
+        <p:txBody>
+          <a:bodyPr/>
+          <a:lstStyle/>
+          <a:p>
+            <a:r>
+              <a:rPr lang="en-US" dirty="0" smtClean="0"/>
+              <a:t>Try selecting different templates – what are the differences?  What could be used in your work?</a:t>
+            </a:r>
+          </a:p>
+          <a:p>
+            <a:r>
+              <a:rPr lang="en-US" dirty="0" smtClean="0"/>
+              <a:t>Try copying existing templates – when would these be helpful?</a:t>
+            </a:r>
+            <a:endParaRPr lang="en-US" dirty="0"/>
+          </a:p>
+        </p:txBody>
+      </p:sp>
+    </p:spTree>
+    <p:extLst>
+      <p:ext uri="{BB962C8B-B14F-4D97-AF65-F5344CB8AC3E}">
+        <p14:creationId xmlns:p14="http://schemas.microsoft.com/office/powerpoint/2010/main" val="2160140463"/>
+      </p:ext>
+    </p:extLst>
+  </p:cSld>
+  <p:clrMapOvr>
+    <a:masterClrMapping/>
+  </p:clrMapOvr>
+</p:sld>
+</file>
+
+<file path=ppt/slides/slide25.xml><?xml version="1.0" encoding="utf-8"?>
+<p:sld xmlns:a="http://schemas.openxmlformats.org/drawingml/2006/main" xmlns:r="http://schemas.openxmlformats.org/officeDocument/2006/relationships" xmlns:p="http://schemas.openxmlformats.org/presentationml/2006/main">
+  <p:cSld>
+    <p:spTree>
+      <p:nvGrpSpPr>
+        <p:cNvPr id="1" name=""/>
+        <p:cNvGrpSpPr/>
+        <p:nvPr/>
+      </p:nvGrpSpPr>
+      <p:grpSpPr>
+        <a:xfrm>
+          <a:off x="0" y="0"/>
+          <a:ext cx="0" cy="0"/>
+          <a:chOff x="0" y="0"/>
+          <a:chExt cx="0" cy="0"/>
+        </a:xfrm>
+      </p:grpSpPr>
+      <p:sp>
+        <p:nvSpPr>
+          <p:cNvPr id="2" name="Title 1"/>
+          <p:cNvSpPr>
+            <a:spLocks noGrp="1"/>
+          </p:cNvSpPr>
+          <p:nvPr>
+            <p:ph type="title"/>
+          </p:nvPr>
+        </p:nvSpPr>
+        <p:spPr/>
+        <p:txBody>
           <a:bodyPr>
             <a:normAutofit/>
           </a:bodyPr>
@@ -5877,7 +6031,7 @@
 </p:sld>
 </file>
 
-<file path=ppt/slides/slide25.xml><?xml version="1.0" encoding="utf-8"?>
+<file path=ppt/slides/slide26.xml><?xml version="1.0" encoding="utf-8"?>
 <p:sld xmlns:a="http://schemas.openxmlformats.org/drawingml/2006/main" xmlns:r="http://schemas.openxmlformats.org/officeDocument/2006/relationships" xmlns:p="http://schemas.openxmlformats.org/presentationml/2006/main">
   <p:cSld>
     <p:spTree>
